--- a/Final boss.pptx
+++ b/Final boss.pptx
@@ -6,14 +6,16 @@
   </p:sldMasterIdLst>
   <p:sldIdLst>
     <p:sldId id="256" r:id="rId2"/>
-    <p:sldId id="257" r:id="rId3"/>
-    <p:sldId id="258" r:id="rId4"/>
-    <p:sldId id="259" r:id="rId5"/>
-    <p:sldId id="263" r:id="rId6"/>
-    <p:sldId id="264" r:id="rId7"/>
-    <p:sldId id="260" r:id="rId8"/>
-    <p:sldId id="261" r:id="rId9"/>
-    <p:sldId id="262" r:id="rId10"/>
+    <p:sldId id="265" r:id="rId3"/>
+    <p:sldId id="257" r:id="rId4"/>
+    <p:sldId id="258" r:id="rId5"/>
+    <p:sldId id="266" r:id="rId6"/>
+    <p:sldId id="259" r:id="rId7"/>
+    <p:sldId id="263" r:id="rId8"/>
+    <p:sldId id="264" r:id="rId9"/>
+    <p:sldId id="260" r:id="rId10"/>
+    <p:sldId id="261" r:id="rId11"/>
+    <p:sldId id="262" r:id="rId12"/>
   </p:sldIdLst>
   <p:sldSz cx="12192000" cy="6858000"/>
   <p:notesSz cx="6858000" cy="9144000"/>
@@ -112,6 +114,11 @@
       </a:defRPr>
     </a:lvl9pPr>
   </p:defaultTextStyle>
+  <p:extLst>
+    <p:ext uri="{EFAFB233-063F-42B5-8137-9DF3F51BA10A}">
+      <p15:sldGuideLst xmlns:p15="http://schemas.microsoft.com/office/powerpoint/2012/main"/>
+    </p:ext>
+  </p:extLst>
 </p:presentation>
 </file>
 
@@ -298,7 +305,7 @@
           <a:p>
             <a:fld id="{4AAD347D-5ACD-4C99-B74B-A9C85AD731AF}" type="datetimeFigureOut">
               <a:rPr lang="en-US" dirty="0"/>
-              <a:t>12/12/2021</a:t>
+              <a:t>12/13/2021</a:t>
             </a:fld>
             <a:endParaRPr lang="en-US" dirty="0"/>
           </a:p>
@@ -568,7 +575,7 @@
           <a:p>
             <a:fld id="{4509A250-FF31-4206-8172-F9D3106AACB1}" type="datetimeFigureOut">
               <a:rPr lang="en-US" dirty="0"/>
-              <a:t>12/12/2021</a:t>
+              <a:t>12/13/2021</a:t>
             </a:fld>
             <a:endParaRPr lang="en-US" dirty="0"/>
           </a:p>
@@ -757,7 +764,7 @@
           <a:p>
             <a:fld id="{4509A250-FF31-4206-8172-F9D3106AACB1}" type="datetimeFigureOut">
               <a:rPr lang="en-US" dirty="0"/>
-              <a:t>12/12/2021</a:t>
+              <a:t>12/13/2021</a:t>
             </a:fld>
             <a:endParaRPr lang="en-US" dirty="0"/>
           </a:p>
@@ -1020,7 +1027,7 @@
           <a:p>
             <a:fld id="{4509A250-FF31-4206-8172-F9D3106AACB1}" type="datetimeFigureOut">
               <a:rPr lang="en-US" dirty="0"/>
-              <a:t>12/12/2021</a:t>
+              <a:t>12/13/2021</a:t>
             </a:fld>
             <a:endParaRPr lang="en-US" dirty="0"/>
           </a:p>
@@ -1347,7 +1354,7 @@
           <a:p>
             <a:fld id="{4509A250-FF31-4206-8172-F9D3106AACB1}" type="datetimeFigureOut">
               <a:rPr lang="en-US" dirty="0"/>
-              <a:t>12/12/2021</a:t>
+              <a:t>12/13/2021</a:t>
             </a:fld>
             <a:endParaRPr lang="en-US" dirty="0"/>
           </a:p>
@@ -1952,7 +1959,7 @@
           <a:p>
             <a:fld id="{4509A250-FF31-4206-8172-F9D3106AACB1}" type="datetimeFigureOut">
               <a:rPr lang="en-US" dirty="0"/>
-              <a:t>12/12/2021</a:t>
+              <a:t>12/13/2021</a:t>
             </a:fld>
             <a:endParaRPr lang="en-US" dirty="0"/>
           </a:p>
@@ -2794,7 +2801,7 @@
           <a:p>
             <a:fld id="{4509A250-FF31-4206-8172-F9D3106AACB1}" type="datetimeFigureOut">
               <a:rPr lang="en-US" dirty="0"/>
-              <a:t>12/12/2021</a:t>
+              <a:t>12/13/2021</a:t>
             </a:fld>
             <a:endParaRPr lang="en-US" dirty="0"/>
           </a:p>
@@ -2959,7 +2966,7 @@
           <a:p>
             <a:fld id="{4509A250-FF31-4206-8172-F9D3106AACB1}" type="datetimeFigureOut">
               <a:rPr lang="en-US" dirty="0"/>
-              <a:t>12/12/2021</a:t>
+              <a:t>12/13/2021</a:t>
             </a:fld>
             <a:endParaRPr lang="en-US" dirty="0"/>
           </a:p>
@@ -3134,7 +3141,7 @@
           <a:p>
             <a:fld id="{4509A250-FF31-4206-8172-F9D3106AACB1}" type="datetimeFigureOut">
               <a:rPr lang="en-US" dirty="0"/>
-              <a:t>12/12/2021</a:t>
+              <a:t>12/13/2021</a:t>
             </a:fld>
             <a:endParaRPr lang="en-US" dirty="0"/>
           </a:p>
@@ -3299,7 +3306,7 @@
           <a:p>
             <a:fld id="{4509A250-FF31-4206-8172-F9D3106AACB1}" type="datetimeFigureOut">
               <a:rPr lang="en-US" dirty="0"/>
-              <a:t>12/12/2021</a:t>
+              <a:t>12/13/2021</a:t>
             </a:fld>
             <a:endParaRPr lang="en-US" dirty="0"/>
           </a:p>
@@ -3538,7 +3545,7 @@
           <a:p>
             <a:fld id="{4509A250-FF31-4206-8172-F9D3106AACB1}" type="datetimeFigureOut">
               <a:rPr lang="en-US" dirty="0"/>
-              <a:t>12/12/2021</a:t>
+              <a:t>12/13/2021</a:t>
             </a:fld>
             <a:endParaRPr lang="en-US" dirty="0"/>
           </a:p>
@@ -3825,7 +3832,7 @@
           <a:p>
             <a:fld id="{4509A250-FF31-4206-8172-F9D3106AACB1}" type="datetimeFigureOut">
               <a:rPr lang="en-US" dirty="0"/>
-              <a:t>12/12/2021</a:t>
+              <a:t>12/13/2021</a:t>
             </a:fld>
             <a:endParaRPr lang="en-US" dirty="0"/>
           </a:p>
@@ -4258,7 +4265,7 @@
           <a:p>
             <a:fld id="{4509A250-FF31-4206-8172-F9D3106AACB1}" type="datetimeFigureOut">
               <a:rPr lang="en-US" dirty="0"/>
-              <a:t>12/12/2021</a:t>
+              <a:t>12/13/2021</a:t>
             </a:fld>
             <a:endParaRPr lang="en-US" dirty="0"/>
           </a:p>
@@ -4371,7 +4378,7 @@
           <a:p>
             <a:fld id="{4509A250-FF31-4206-8172-F9D3106AACB1}" type="datetimeFigureOut">
               <a:rPr lang="en-US" dirty="0"/>
-              <a:t>12/12/2021</a:t>
+              <a:t>12/13/2021</a:t>
             </a:fld>
             <a:endParaRPr lang="en-US" dirty="0"/>
           </a:p>
@@ -4461,7 +4468,7 @@
           <a:p>
             <a:fld id="{4509A250-FF31-4206-8172-F9D3106AACB1}" type="datetimeFigureOut">
               <a:rPr lang="en-US" dirty="0"/>
-              <a:t>12/12/2021</a:t>
+              <a:t>12/13/2021</a:t>
             </a:fld>
             <a:endParaRPr lang="en-US" dirty="0"/>
           </a:p>
@@ -4735,7 +4742,7 @@
           <a:p>
             <a:fld id="{4509A250-FF31-4206-8172-F9D3106AACB1}" type="datetimeFigureOut">
               <a:rPr lang="en-US" dirty="0"/>
-              <a:t>12/12/2021</a:t>
+              <a:t>12/13/2021</a:t>
             </a:fld>
             <a:endParaRPr lang="en-US" dirty="0"/>
           </a:p>
@@ -5005,7 +5012,7 @@
           <a:p>
             <a:fld id="{4509A250-FF31-4206-8172-F9D3106AACB1}" type="datetimeFigureOut">
               <a:rPr lang="en-US" dirty="0"/>
-              <a:t>12/12/2021</a:t>
+              <a:t>12/13/2021</a:t>
             </a:fld>
             <a:endParaRPr lang="en-US" dirty="0"/>
           </a:p>
@@ -5429,7 +5436,7 @@
           <a:p>
             <a:fld id="{4509A250-FF31-4206-8172-F9D3106AACB1}" type="datetimeFigureOut">
               <a:rPr lang="en-US" dirty="0"/>
-              <a:t>12/12/2021</a:t>
+              <a:t>12/13/2021</a:t>
             </a:fld>
             <a:endParaRPr lang="en-US" dirty="0"/>
           </a:p>
@@ -6306,6 +6313,255 @@
   <p:clrMapOvr>
     <a:masterClrMapping/>
   </p:clrMapOvr>
+  <p:timing>
+    <p:tnLst>
+      <p:par>
+        <p:cTn id="1" dur="indefinite" restart="never" nodeType="tmRoot"/>
+      </p:par>
+    </p:tnLst>
+  </p:timing>
+</p:sld>
+</file>
+
+<file path=ppt/slides/slide10.xml><?xml version="1.0" encoding="utf-8"?>
+<p:sld xmlns:a="http://schemas.openxmlformats.org/drawingml/2006/main" xmlns:r="http://schemas.openxmlformats.org/officeDocument/2006/relationships" xmlns:p="http://schemas.openxmlformats.org/presentationml/2006/main">
+  <p:cSld>
+    <p:spTree>
+      <p:nvGrpSpPr>
+        <p:cNvPr id="1" name=""/>
+        <p:cNvGrpSpPr/>
+        <p:nvPr/>
+      </p:nvGrpSpPr>
+      <p:grpSpPr>
+        <a:xfrm>
+          <a:off x="0" y="0"/>
+          <a:ext cx="0" cy="0"/>
+          <a:chOff x="0" y="0"/>
+          <a:chExt cx="0" cy="0"/>
+        </a:xfrm>
+      </p:grpSpPr>
+      <p:sp>
+        <p:nvSpPr>
+          <p:cNvPr id="2" name="Заголовок 1"/>
+          <p:cNvSpPr>
+            <a:spLocks noGrp="1"/>
+          </p:cNvSpPr>
+          <p:nvPr>
+            <p:ph type="title"/>
+          </p:nvPr>
+        </p:nvSpPr>
+        <p:spPr/>
+        <p:txBody>
+          <a:bodyPr/>
+          <a:lstStyle/>
+          <a:p>
+            <a:r>
+              <a:rPr lang="ru-RU" dirty="0" smtClean="0"/>
+              <a:t>Пользователи</a:t>
+            </a:r>
+            <a:endParaRPr lang="ru-RU" dirty="0"/>
+          </a:p>
+        </p:txBody>
+      </p:sp>
+      <p:sp>
+        <p:nvSpPr>
+          <p:cNvPr id="3" name="Объект 2"/>
+          <p:cNvSpPr>
+            <a:spLocks noGrp="1"/>
+          </p:cNvSpPr>
+          <p:nvPr>
+            <p:ph idx="1"/>
+          </p:nvPr>
+        </p:nvSpPr>
+        <p:spPr/>
+        <p:txBody>
+          <a:bodyPr/>
+          <a:lstStyle/>
+          <a:p>
+            <a:r>
+              <a:rPr lang="et-EE" dirty="0" smtClean="0"/>
+              <a:t>usrAdmin - </a:t>
+            </a:r>
+            <a:r>
+              <a:rPr lang="ru-RU" dirty="0" smtClean="0"/>
+              <a:t>Администратор </a:t>
+            </a:r>
+            <a:r>
+              <a:rPr lang="ru-RU" dirty="0" smtClean="0"/>
+              <a:t>– может просматривать, добавлять или удалять любые данные.</a:t>
+            </a:r>
+          </a:p>
+          <a:p>
+            <a:r>
+              <a:rPr lang="et-EE" dirty="0" smtClean="0"/>
+              <a:t>usrDirektor - </a:t>
+            </a:r>
+            <a:r>
+              <a:rPr lang="ru-RU" dirty="0" smtClean="0"/>
+              <a:t>Директор </a:t>
+            </a:r>
+            <a:r>
+              <a:rPr lang="ru-RU" dirty="0" smtClean="0"/>
+              <a:t>– может просматривать все данные. Может добавлять или удалять данные сотрудников.</a:t>
+            </a:r>
+          </a:p>
+          <a:p>
+            <a:r>
+              <a:rPr lang="et-EE" dirty="0" smtClean="0"/>
+              <a:t>usrEmployer - </a:t>
+            </a:r>
+            <a:r>
+              <a:rPr lang="ru-RU" dirty="0" smtClean="0"/>
+              <a:t>Сотрудник </a:t>
+            </a:r>
+            <a:r>
+              <a:rPr lang="ru-RU" dirty="0" smtClean="0"/>
+              <a:t>– может просматривать данные клиентов, а так же свои собственные.</a:t>
+            </a:r>
+          </a:p>
+          <a:p>
+            <a:r>
+              <a:rPr lang="et-EE" dirty="0" smtClean="0"/>
+              <a:t>usrClient - </a:t>
+            </a:r>
+            <a:r>
+              <a:rPr lang="ru-RU" dirty="0" smtClean="0"/>
+              <a:t>Клиент </a:t>
+            </a:r>
+            <a:r>
+              <a:rPr lang="ru-RU" dirty="0" smtClean="0"/>
+              <a:t>– может просматривать только свои </a:t>
+            </a:r>
+            <a:r>
+              <a:rPr lang="ru-RU" dirty="0" smtClean="0"/>
+              <a:t>данные, чек, корзину.</a:t>
+            </a:r>
+            <a:endParaRPr lang="ru-RU" dirty="0"/>
+          </a:p>
+        </p:txBody>
+      </p:sp>
+    </p:spTree>
+    <p:extLst>
+      <p:ext uri="{BB962C8B-B14F-4D97-AF65-F5344CB8AC3E}">
+        <p14:creationId xmlns:p14="http://schemas.microsoft.com/office/powerpoint/2010/main" val="370445118"/>
+      </p:ext>
+    </p:extLst>
+  </p:cSld>
+  <p:clrMapOvr>
+    <a:masterClrMapping/>
+  </p:clrMapOvr>
+</p:sld>
+</file>
+
+<file path=ppt/slides/slide11.xml><?xml version="1.0" encoding="utf-8"?>
+<p:sld xmlns:a="http://schemas.openxmlformats.org/drawingml/2006/main" xmlns:r="http://schemas.openxmlformats.org/officeDocument/2006/relationships" xmlns:p="http://schemas.openxmlformats.org/presentationml/2006/main">
+  <p:cSld>
+    <p:spTree>
+      <p:nvGrpSpPr>
+        <p:cNvPr id="1" name=""/>
+        <p:cNvGrpSpPr/>
+        <p:nvPr/>
+      </p:nvGrpSpPr>
+      <p:grpSpPr>
+        <a:xfrm>
+          <a:off x="0" y="0"/>
+          <a:ext cx="0" cy="0"/>
+          <a:chOff x="0" y="0"/>
+          <a:chExt cx="0" cy="0"/>
+        </a:xfrm>
+      </p:grpSpPr>
+      <p:sp>
+        <p:nvSpPr>
+          <p:cNvPr id="2" name="Заголовок 1"/>
+          <p:cNvSpPr>
+            <a:spLocks noGrp="1"/>
+          </p:cNvSpPr>
+          <p:nvPr>
+            <p:ph type="title"/>
+          </p:nvPr>
+        </p:nvSpPr>
+        <p:spPr/>
+        <p:txBody>
+          <a:bodyPr/>
+          <a:lstStyle/>
+          <a:p>
+            <a:r>
+              <a:rPr lang="ru-RU" dirty="0" smtClean="0"/>
+              <a:t>Роли</a:t>
+            </a:r>
+            <a:endParaRPr lang="ru-RU" dirty="0"/>
+          </a:p>
+        </p:txBody>
+      </p:sp>
+      <p:sp>
+        <p:nvSpPr>
+          <p:cNvPr id="3" name="Объект 2"/>
+          <p:cNvSpPr>
+            <a:spLocks noGrp="1"/>
+          </p:cNvSpPr>
+          <p:nvPr>
+            <p:ph idx="1"/>
+          </p:nvPr>
+        </p:nvSpPr>
+        <p:spPr/>
+        <p:txBody>
+          <a:bodyPr/>
+          <a:lstStyle/>
+          <a:p>
+            <a:r>
+              <a:rPr lang="et-EE" dirty="0" smtClean="0"/>
+              <a:t>rlAdmin – </a:t>
+            </a:r>
+            <a:r>
+              <a:rPr lang="ru-RU" dirty="0" smtClean="0"/>
+              <a:t>роль администратора</a:t>
+            </a:r>
+          </a:p>
+          <a:p>
+            <a:r>
+              <a:rPr lang="et-EE" dirty="0" smtClean="0"/>
+              <a:t>rlDirektor – </a:t>
+            </a:r>
+            <a:r>
+              <a:rPr lang="ru-RU" dirty="0" smtClean="0"/>
+              <a:t>роль директора</a:t>
+            </a:r>
+          </a:p>
+          <a:p>
+            <a:r>
+              <a:rPr lang="et-EE" dirty="0" smtClean="0"/>
+              <a:t>rlEmployer – </a:t>
+            </a:r>
+            <a:r>
+              <a:rPr lang="ru-RU" dirty="0" smtClean="0"/>
+              <a:t>роль сотрудника</a:t>
+            </a:r>
+          </a:p>
+          <a:p>
+            <a:r>
+              <a:rPr lang="et-EE" dirty="0" smtClean="0"/>
+              <a:t>rlClient – </a:t>
+            </a:r>
+            <a:r>
+              <a:rPr lang="ru-RU" dirty="0" smtClean="0"/>
+              <a:t>роль клиента</a:t>
+            </a:r>
+          </a:p>
+          <a:p>
+            <a:endParaRPr lang="ru-RU" dirty="0"/>
+          </a:p>
+        </p:txBody>
+      </p:sp>
+    </p:spTree>
+    <p:extLst>
+      <p:ext uri="{BB962C8B-B14F-4D97-AF65-F5344CB8AC3E}">
+        <p14:creationId xmlns:p14="http://schemas.microsoft.com/office/powerpoint/2010/main" val="71061050"/>
+      </p:ext>
+    </p:extLst>
+  </p:cSld>
+  <p:clrMapOvr>
+    <a:masterClrMapping/>
+  </p:clrMapOvr>
 </p:sld>
 </file>
 
@@ -6328,7 +6584,7 @@
       </p:grpSpPr>
       <p:sp>
         <p:nvSpPr>
-          <p:cNvPr id="2" name="Заголовок 1"/>
+          <p:cNvPr id="2" name="Title 1"/>
           <p:cNvSpPr>
             <a:spLocks noGrp="1"/>
           </p:cNvSpPr>
@@ -6343,15 +6599,15 @@
           <a:p>
             <a:r>
               <a:rPr lang="ru-RU" dirty="0" smtClean="0"/>
-              <a:t>Таблицы</a:t>
-            </a:r>
-            <a:endParaRPr lang="ru-RU" dirty="0"/>
-          </a:p>
-        </p:txBody>
-      </p:sp>
-      <p:sp>
-        <p:nvSpPr>
-          <p:cNvPr id="3" name="Объект 2"/>
+              <a:t>Содержание </a:t>
+            </a:r>
+            <a:endParaRPr lang="en-GB" dirty="0"/>
+          </a:p>
+        </p:txBody>
+      </p:sp>
+      <p:sp>
+        <p:nvSpPr>
+          <p:cNvPr id="3" name="Content Placeholder 2"/>
           <p:cNvSpPr>
             <a:spLocks noGrp="1"/>
           </p:cNvSpPr>
@@ -6364,122 +6620,313 @@
           <a:bodyPr/>
           <a:lstStyle/>
           <a:p>
-            <a:pPr marL="0" indent="0">
-              <a:buNone/>
-            </a:pPr>
             <a:r>
               <a:rPr lang="ru-RU" dirty="0" smtClean="0"/>
-              <a:t>Всего в базе получилось 7 таблиц</a:t>
-            </a:r>
-            <a:r>
-              <a:rPr lang="en-US" dirty="0" smtClean="0"/>
-              <a:t>:</a:t>
-            </a:r>
-          </a:p>
-          <a:p>
-            <a:r>
-              <a:rPr lang="et-EE" dirty="0" smtClean="0"/>
-              <a:t>tBill </a:t>
-            </a:r>
-            <a:r>
-              <a:rPr lang="ru-RU" dirty="0"/>
-              <a:t>-</a:t>
-            </a:r>
+              <a:t>Таблицы </a:t>
+            </a:r>
+          </a:p>
+          <a:p>
             <a:r>
               <a:rPr lang="ru-RU" dirty="0" smtClean="0"/>
-              <a:t> электронный чек</a:t>
-            </a:r>
-          </a:p>
-          <a:p>
-            <a:r>
-              <a:rPr lang="et-EE" dirty="0" smtClean="0"/>
-              <a:t>tCart</a:t>
-            </a:r>
+              <a:t>Схемы связей таблиц </a:t>
+            </a:r>
+          </a:p>
+          <a:p>
             <a:r>
               <a:rPr lang="ru-RU" dirty="0" smtClean="0"/>
-              <a:t> – корзина клиента</a:t>
-            </a:r>
-          </a:p>
-          <a:p>
-            <a:r>
-              <a:rPr lang="et-EE" dirty="0" smtClean="0"/>
-              <a:t>tCategory – </a:t>
-            </a:r>
+              <a:t>Функции </a:t>
+            </a:r>
+          </a:p>
+          <a:p>
             <a:r>
               <a:rPr lang="ru-RU" dirty="0" smtClean="0"/>
-              <a:t>информация о категориях напитков и закусок</a:t>
-            </a:r>
-          </a:p>
-          <a:p>
-            <a:r>
-              <a:rPr lang="et-EE" dirty="0" smtClean="0"/>
-              <a:t>tClient </a:t>
-            </a:r>
+              <a:t>Триггеры </a:t>
+            </a:r>
+          </a:p>
+          <a:p>
             <a:r>
               <a:rPr lang="ru-RU" dirty="0" smtClean="0"/>
-              <a:t>-</a:t>
-            </a:r>
-            <a:r>
-              <a:rPr lang="et-EE" dirty="0" smtClean="0"/>
-              <a:t> </a:t>
-            </a:r>
+              <a:t>Пользователи </a:t>
+            </a:r>
+          </a:p>
+          <a:p>
             <a:r>
               <a:rPr lang="ru-RU" dirty="0" smtClean="0"/>
-              <a:t>информация </a:t>
-            </a:r>
-            <a:r>
-              <a:rPr lang="ru-RU" dirty="0"/>
-              <a:t>о </a:t>
-            </a:r>
-            <a:r>
-              <a:rPr lang="ru-RU" dirty="0" smtClean="0"/>
-              <a:t>клиентах</a:t>
-            </a:r>
-          </a:p>
-          <a:p>
-            <a:r>
-              <a:rPr lang="et-EE" dirty="0" smtClean="0"/>
-              <a:t>tEmployer – </a:t>
-            </a:r>
-            <a:r>
-              <a:rPr lang="ru-RU" dirty="0" smtClean="0"/>
-              <a:t>информация о работниках</a:t>
-            </a:r>
-            <a:endParaRPr lang="et-EE" dirty="0" smtClean="0"/>
-          </a:p>
-          <a:p>
-            <a:r>
-              <a:rPr lang="et-EE" dirty="0" smtClean="0"/>
-              <a:t>tDrinks – </a:t>
-            </a:r>
-            <a:r>
-              <a:rPr lang="ru-RU" dirty="0" smtClean="0"/>
-              <a:t>напитки</a:t>
-            </a:r>
-          </a:p>
-          <a:p>
-            <a:r>
-              <a:rPr lang="et-EE" dirty="0" smtClean="0"/>
-              <a:t>tScanks - </a:t>
-            </a:r>
-            <a:r>
-              <a:rPr lang="ru-RU" dirty="0" smtClean="0"/>
-              <a:t>закуски</a:t>
-            </a:r>
-            <a:endParaRPr lang="ru-RU" dirty="0"/>
+              <a:t>Роли </a:t>
+            </a:r>
+            <a:endParaRPr lang="en-GB" dirty="0"/>
+          </a:p>
+        </p:txBody>
+      </p:sp>
+      <p:sp>
+        <p:nvSpPr>
+          <p:cNvPr id="4" name="Action Button: Forward or Next 3">
+            <a:hlinkClick r:id="rId2" action="ppaction://hlinksldjump" highlightClick="1"/>
+          </p:cNvPr>
+          <p:cNvSpPr/>
+          <p:nvPr/>
+        </p:nvSpPr>
+        <p:spPr>
+          <a:xfrm>
+            <a:off x="4638502" y="2052918"/>
+            <a:ext cx="556952" cy="332835"/>
+          </a:xfrm>
+          <a:prstGeom prst="actionButtonForwardNext">
+            <a:avLst/>
+          </a:prstGeom>
+        </p:spPr>
+        <p:style>
+          <a:lnRef idx="2">
+            <a:schemeClr val="accent1">
+              <a:shade val="50000"/>
+            </a:schemeClr>
+          </a:lnRef>
+          <a:fillRef idx="1">
+            <a:schemeClr val="accent1"/>
+          </a:fillRef>
+          <a:effectRef idx="0">
+            <a:schemeClr val="accent1"/>
+          </a:effectRef>
+          <a:fontRef idx="minor">
+            <a:schemeClr val="lt1"/>
+          </a:fontRef>
+        </p:style>
+        <p:txBody>
+          <a:bodyPr rtlCol="0" anchor="ctr"/>
+          <a:lstStyle/>
+          <a:p>
+            <a:pPr algn="ctr"/>
+            <a:endParaRPr lang="en-GB"/>
+          </a:p>
+        </p:txBody>
+      </p:sp>
+      <p:sp>
+        <p:nvSpPr>
+          <p:cNvPr id="5" name="Action Button: Forward or Next 4">
+            <a:hlinkClick r:id="rId3" action="ppaction://hlinksldjump" highlightClick="1"/>
+          </p:cNvPr>
+          <p:cNvSpPr/>
+          <p:nvPr/>
+        </p:nvSpPr>
+        <p:spPr>
+          <a:xfrm>
+            <a:off x="4638502" y="2510443"/>
+            <a:ext cx="565265" cy="340822"/>
+          </a:xfrm>
+          <a:prstGeom prst="actionButtonForwardNext">
+            <a:avLst/>
+          </a:prstGeom>
+        </p:spPr>
+        <p:style>
+          <a:lnRef idx="2">
+            <a:schemeClr val="accent1">
+              <a:shade val="50000"/>
+            </a:schemeClr>
+          </a:lnRef>
+          <a:fillRef idx="1">
+            <a:schemeClr val="accent1"/>
+          </a:fillRef>
+          <a:effectRef idx="0">
+            <a:schemeClr val="accent1"/>
+          </a:effectRef>
+          <a:fontRef idx="minor">
+            <a:schemeClr val="lt1"/>
+          </a:fontRef>
+        </p:style>
+        <p:txBody>
+          <a:bodyPr rtlCol="0" anchor="ctr"/>
+          <a:lstStyle/>
+          <a:p>
+            <a:pPr algn="ctr"/>
+            <a:endParaRPr lang="en-GB"/>
+          </a:p>
+        </p:txBody>
+      </p:sp>
+      <p:sp>
+        <p:nvSpPr>
+          <p:cNvPr id="6" name="Action Button: Forward or Next 5">
+            <a:hlinkClick r:id="rId4" action="ppaction://hlinksldjump" highlightClick="1"/>
+          </p:cNvPr>
+          <p:cNvSpPr/>
+          <p:nvPr/>
+        </p:nvSpPr>
+        <p:spPr>
+          <a:xfrm>
+            <a:off x="4638502" y="2975955"/>
+            <a:ext cx="565265" cy="324196"/>
+          </a:xfrm>
+          <a:prstGeom prst="actionButtonForwardNext">
+            <a:avLst/>
+          </a:prstGeom>
+        </p:spPr>
+        <p:style>
+          <a:lnRef idx="2">
+            <a:schemeClr val="accent1">
+              <a:shade val="50000"/>
+            </a:schemeClr>
+          </a:lnRef>
+          <a:fillRef idx="1">
+            <a:schemeClr val="accent1"/>
+          </a:fillRef>
+          <a:effectRef idx="0">
+            <a:schemeClr val="accent1"/>
+          </a:effectRef>
+          <a:fontRef idx="minor">
+            <a:schemeClr val="lt1"/>
+          </a:fontRef>
+        </p:style>
+        <p:txBody>
+          <a:bodyPr rtlCol="0" anchor="ctr"/>
+          <a:lstStyle/>
+          <a:p>
+            <a:pPr algn="ctr"/>
+            <a:endParaRPr lang="en-GB"/>
+          </a:p>
+        </p:txBody>
+      </p:sp>
+      <p:sp>
+        <p:nvSpPr>
+          <p:cNvPr id="7" name="Action Button: Forward or Next 6">
+            <a:hlinkClick r:id="rId5" action="ppaction://hlinksldjump" highlightClick="1"/>
+          </p:cNvPr>
+          <p:cNvSpPr/>
+          <p:nvPr/>
+        </p:nvSpPr>
+        <p:spPr>
+          <a:xfrm>
+            <a:off x="4638502" y="3424841"/>
+            <a:ext cx="565265" cy="324196"/>
+          </a:xfrm>
+          <a:prstGeom prst="actionButtonForwardNext">
+            <a:avLst/>
+          </a:prstGeom>
+        </p:spPr>
+        <p:style>
+          <a:lnRef idx="2">
+            <a:schemeClr val="accent1">
+              <a:shade val="50000"/>
+            </a:schemeClr>
+          </a:lnRef>
+          <a:fillRef idx="1">
+            <a:schemeClr val="accent1"/>
+          </a:fillRef>
+          <a:effectRef idx="0">
+            <a:schemeClr val="accent1"/>
+          </a:effectRef>
+          <a:fontRef idx="minor">
+            <a:schemeClr val="lt1"/>
+          </a:fontRef>
+        </p:style>
+        <p:txBody>
+          <a:bodyPr rtlCol="0" anchor="ctr"/>
+          <a:lstStyle/>
+          <a:p>
+            <a:pPr algn="ctr"/>
+            <a:endParaRPr lang="en-GB"/>
+          </a:p>
+        </p:txBody>
+      </p:sp>
+      <p:sp>
+        <p:nvSpPr>
+          <p:cNvPr id="8" name="Action Button: Forward or Next 7">
+            <a:hlinkClick r:id="rId6" action="ppaction://hlinksldjump" highlightClick="1"/>
+          </p:cNvPr>
+          <p:cNvSpPr/>
+          <p:nvPr/>
+        </p:nvSpPr>
+        <p:spPr>
+          <a:xfrm>
+            <a:off x="4638502" y="3873727"/>
+            <a:ext cx="565265" cy="324196"/>
+          </a:xfrm>
+          <a:prstGeom prst="actionButtonForwardNext">
+            <a:avLst/>
+          </a:prstGeom>
+        </p:spPr>
+        <p:style>
+          <a:lnRef idx="2">
+            <a:schemeClr val="accent1">
+              <a:shade val="50000"/>
+            </a:schemeClr>
+          </a:lnRef>
+          <a:fillRef idx="1">
+            <a:schemeClr val="accent1"/>
+          </a:fillRef>
+          <a:effectRef idx="0">
+            <a:schemeClr val="accent1"/>
+          </a:effectRef>
+          <a:fontRef idx="minor">
+            <a:schemeClr val="lt1"/>
+          </a:fontRef>
+        </p:style>
+        <p:txBody>
+          <a:bodyPr rtlCol="0" anchor="ctr"/>
+          <a:lstStyle/>
+          <a:p>
+            <a:pPr algn="ctr"/>
+            <a:endParaRPr lang="en-GB"/>
+          </a:p>
+        </p:txBody>
+      </p:sp>
+      <p:sp>
+        <p:nvSpPr>
+          <p:cNvPr id="9" name="Action Button: Forward or Next 8">
+            <a:hlinkClick r:id="rId7" action="ppaction://hlinksldjump" highlightClick="1"/>
+          </p:cNvPr>
+          <p:cNvSpPr/>
+          <p:nvPr/>
+        </p:nvSpPr>
+        <p:spPr>
+          <a:xfrm>
+            <a:off x="4638502" y="4330931"/>
+            <a:ext cx="556952" cy="349134"/>
+          </a:xfrm>
+          <a:prstGeom prst="actionButtonForwardNext">
+            <a:avLst/>
+          </a:prstGeom>
+        </p:spPr>
+        <p:style>
+          <a:lnRef idx="2">
+            <a:schemeClr val="accent1">
+              <a:shade val="50000"/>
+            </a:schemeClr>
+          </a:lnRef>
+          <a:fillRef idx="1">
+            <a:schemeClr val="accent1"/>
+          </a:fillRef>
+          <a:effectRef idx="0">
+            <a:schemeClr val="accent1"/>
+          </a:effectRef>
+          <a:fontRef idx="minor">
+            <a:schemeClr val="lt1"/>
+          </a:fontRef>
+        </p:style>
+        <p:txBody>
+          <a:bodyPr rtlCol="0" anchor="ctr"/>
+          <a:lstStyle/>
+          <a:p>
+            <a:pPr algn="ctr"/>
+            <a:endParaRPr lang="en-GB"/>
           </a:p>
         </p:txBody>
       </p:sp>
     </p:spTree>
     <p:extLst>
       <p:ext uri="{BB962C8B-B14F-4D97-AF65-F5344CB8AC3E}">
-        <p14:creationId xmlns:p14="http://schemas.microsoft.com/office/powerpoint/2010/main" val="1243525518"/>
+        <p14:creationId xmlns:p14="http://schemas.microsoft.com/office/powerpoint/2010/main" val="1939633779"/>
       </p:ext>
     </p:extLst>
   </p:cSld>
   <p:clrMapOvr>
     <a:masterClrMapping/>
   </p:clrMapOvr>
+  <p:timing>
+    <p:tnLst>
+      <p:par>
+        <p:cTn id="1" dur="indefinite" restart="never" nodeType="tmRoot"/>
+      </p:par>
+    </p:tnLst>
+  </p:timing>
 </p:sld>
 </file>
 
@@ -6517,7 +6964,7 @@
           <a:p>
             <a:r>
               <a:rPr lang="ru-RU" dirty="0" smtClean="0"/>
-              <a:t>Схема связей таблиц</a:t>
+              <a:t>Таблицы</a:t>
             </a:r>
             <a:endParaRPr lang="ru-RU" dirty="0"/>
           </a:p>
@@ -6538,9 +6985,119 @@
           <a:bodyPr/>
           <a:lstStyle/>
           <a:p>
+            <a:pPr marL="0" indent="0">
+              <a:buNone/>
+            </a:pPr>
             <a:r>
               <a:rPr lang="ru-RU" dirty="0" smtClean="0"/>
-              <a:t>Ебнуть сюда картинку</a:t>
+              <a:t>Всего в базе получилось 7 таблиц</a:t>
+            </a:r>
+            <a:r>
+              <a:rPr lang="en-US" dirty="0" smtClean="0"/>
+              <a:t>:</a:t>
+            </a:r>
+          </a:p>
+          <a:p>
+            <a:r>
+              <a:rPr lang="et-EE" dirty="0" smtClean="0"/>
+              <a:t>tBill </a:t>
+            </a:r>
+            <a:r>
+              <a:rPr lang="ru-RU" dirty="0"/>
+              <a:t>-</a:t>
+            </a:r>
+            <a:r>
+              <a:rPr lang="ru-RU" dirty="0" smtClean="0"/>
+              <a:t> электронный чек</a:t>
+            </a:r>
+          </a:p>
+          <a:p>
+            <a:r>
+              <a:rPr lang="et-EE" dirty="0" smtClean="0"/>
+              <a:t>tCart</a:t>
+            </a:r>
+            <a:r>
+              <a:rPr lang="ru-RU" dirty="0" smtClean="0"/>
+              <a:t> – корзина клиента</a:t>
+            </a:r>
+          </a:p>
+          <a:p>
+            <a:r>
+              <a:rPr lang="et-EE" dirty="0" smtClean="0"/>
+              <a:t>tCategory – </a:t>
+            </a:r>
+            <a:r>
+              <a:rPr lang="ru-RU" dirty="0" smtClean="0"/>
+              <a:t>информация о категориях напитков и закусок</a:t>
+            </a:r>
+          </a:p>
+          <a:p>
+            <a:r>
+              <a:rPr lang="et-EE" dirty="0" smtClean="0"/>
+              <a:t>tClient </a:t>
+            </a:r>
+            <a:r>
+              <a:rPr lang="ru-RU" dirty="0" smtClean="0"/>
+              <a:t>-</a:t>
+            </a:r>
+            <a:r>
+              <a:rPr lang="et-EE" dirty="0" smtClean="0"/>
+              <a:t> </a:t>
+            </a:r>
+            <a:r>
+              <a:rPr lang="ru-RU" dirty="0" smtClean="0"/>
+              <a:t>информация </a:t>
+            </a:r>
+            <a:r>
+              <a:rPr lang="ru-RU" dirty="0"/>
+              <a:t>о </a:t>
+            </a:r>
+            <a:r>
+              <a:rPr lang="ru-RU" dirty="0" smtClean="0"/>
+              <a:t>клиентах</a:t>
+            </a:r>
+          </a:p>
+          <a:p>
+            <a:r>
+              <a:rPr lang="et-EE" dirty="0" smtClean="0"/>
+              <a:t>tEmployer – </a:t>
+            </a:r>
+            <a:r>
+              <a:rPr lang="ru-RU" dirty="0" smtClean="0"/>
+              <a:t>информация о работниках</a:t>
+            </a:r>
+            <a:endParaRPr lang="et-EE" dirty="0" smtClean="0"/>
+          </a:p>
+          <a:p>
+            <a:r>
+              <a:rPr lang="et-EE" dirty="0" smtClean="0"/>
+              <a:t>tDrinks – </a:t>
+            </a:r>
+            <a:r>
+              <a:rPr lang="ru-RU" dirty="0" smtClean="0"/>
+              <a:t>напитки</a:t>
+            </a:r>
+          </a:p>
+          <a:p>
+            <a:r>
+              <a:rPr lang="et-EE" dirty="0" smtClean="0"/>
+              <a:t>tS</a:t>
+            </a:r>
+            <a:r>
+              <a:rPr lang="et-EE" dirty="0" smtClean="0"/>
+              <a:t>nac</a:t>
+            </a:r>
+            <a:r>
+              <a:rPr lang="et-EE" dirty="0" smtClean="0"/>
+              <a:t>ks </a:t>
+            </a:r>
+            <a:r>
+              <a:rPr lang="et-EE" dirty="0" smtClean="0"/>
+              <a:t>- </a:t>
+            </a:r>
+            <a:r>
+              <a:rPr lang="ru-RU" dirty="0" smtClean="0"/>
+              <a:t>закуски</a:t>
             </a:r>
             <a:endParaRPr lang="ru-RU" dirty="0"/>
           </a:p>
@@ -6549,13 +7106,20 @@
     </p:spTree>
     <p:extLst>
       <p:ext uri="{BB962C8B-B14F-4D97-AF65-F5344CB8AC3E}">
-        <p14:creationId xmlns:p14="http://schemas.microsoft.com/office/powerpoint/2010/main" val="3625655034"/>
+        <p14:creationId xmlns:p14="http://schemas.microsoft.com/office/powerpoint/2010/main" val="1243525518"/>
       </p:ext>
     </p:extLst>
   </p:cSld>
   <p:clrMapOvr>
     <a:masterClrMapping/>
   </p:clrMapOvr>
+  <p:timing>
+    <p:tnLst>
+      <p:par>
+        <p:cTn id="1" dur="indefinite" restart="never" nodeType="tmRoot"/>
+      </p:par>
+    </p:tnLst>
+  </p:timing>
 </p:sld>
 </file>
 
@@ -6593,104 +7157,57 @@
           <a:p>
             <a:r>
               <a:rPr lang="ru-RU" dirty="0" smtClean="0"/>
-              <a:t>Функции</a:t>
+              <a:t>Схема связей таблиц</a:t>
             </a:r>
             <a:endParaRPr lang="ru-RU" dirty="0"/>
           </a:p>
         </p:txBody>
       </p:sp>
-      <p:sp>
-        <p:nvSpPr>
-          <p:cNvPr id="3" name="Объект 2"/>
-          <p:cNvSpPr>
-            <a:spLocks noGrp="1"/>
-          </p:cNvSpPr>
-          <p:nvPr>
-            <p:ph idx="1"/>
-          </p:nvPr>
-        </p:nvSpPr>
-        <p:spPr/>
-        <p:txBody>
-          <a:bodyPr/>
-          <a:lstStyle/>
-          <a:p>
-            <a:r>
-              <a:rPr lang="et-EE" dirty="0" smtClean="0"/>
-              <a:t>fnAddClient – </a:t>
-            </a:r>
-            <a:r>
-              <a:rPr lang="ru-RU" dirty="0" smtClean="0"/>
-              <a:t>функция для добавления клиента.</a:t>
-            </a:r>
-          </a:p>
-          <a:p>
-            <a:r>
-              <a:rPr lang="ru-RU" dirty="0" smtClean="0"/>
-              <a:t>Принимает имя, почту, телефон и дату рождения.</a:t>
-            </a:r>
-          </a:p>
-          <a:p>
-            <a:r>
-              <a:rPr lang="ru-RU" dirty="0" smtClean="0"/>
-              <a:t>Статус ставится автоматически триггером.</a:t>
-            </a:r>
-          </a:p>
-          <a:p>
-            <a:endParaRPr lang="ru-RU" dirty="0" smtClean="0"/>
-          </a:p>
-          <a:p>
-            <a:r>
-              <a:rPr lang="et-EE" dirty="0" smtClean="0"/>
-              <a:t>fnAddBill - </a:t>
-            </a:r>
-            <a:r>
-              <a:rPr lang="ru-RU" dirty="0"/>
-              <a:t>функция для добавления </a:t>
-            </a:r>
-            <a:r>
-              <a:rPr lang="ru-RU" dirty="0" smtClean="0"/>
-              <a:t>чека.</a:t>
-            </a:r>
-          </a:p>
-          <a:p>
-            <a:r>
-              <a:rPr lang="ru-RU" dirty="0" smtClean="0"/>
-              <a:t>Принимает </a:t>
-            </a:r>
-            <a:r>
-              <a:rPr lang="et-EE" dirty="0" smtClean="0"/>
-              <a:t>id </a:t>
-            </a:r>
-            <a:r>
-              <a:rPr lang="ru-RU" dirty="0" smtClean="0"/>
-              <a:t>клиента, дату оплаты, тип оплаты.</a:t>
-            </a:r>
-          </a:p>
-          <a:p>
-            <a:r>
-              <a:rPr lang="ru-RU" dirty="0" smtClean="0"/>
-              <a:t>Статус </a:t>
-            </a:r>
-            <a:r>
-              <a:rPr lang="ru-RU" dirty="0"/>
-              <a:t>ставится автоматически триггером.</a:t>
-            </a:r>
-          </a:p>
-          <a:p>
-            <a:endParaRPr lang="ru-RU" dirty="0" smtClean="0"/>
-          </a:p>
-        </p:txBody>
-      </p:sp>
+      <p:pic>
+        <p:nvPicPr>
+          <p:cNvPr id="4" name="Picture 3"/>
+          <p:cNvPicPr/>
+          <p:nvPr/>
+        </p:nvPicPr>
+        <p:blipFill>
+          <a:blip r:embed="rId2">
+            <a:extLst>
+              <a:ext uri="{28A0092B-C50C-407E-A947-70E740481C1C}">
+                <a14:useLocalDpi xmlns:a14="http://schemas.microsoft.com/office/drawing/2010/main" val="0"/>
+              </a:ext>
+            </a:extLst>
+          </a:blip>
+          <a:stretch>
+            <a:fillRect/>
+          </a:stretch>
+        </p:blipFill>
+        <p:spPr>
+          <a:xfrm>
+            <a:off x="1859536" y="1288146"/>
+            <a:ext cx="8190317" cy="5373829"/>
+          </a:xfrm>
+          <a:prstGeom prst="rect">
+            <a:avLst/>
+          </a:prstGeom>
+        </p:spPr>
+      </p:pic>
     </p:spTree>
     <p:extLst>
       <p:ext uri="{BB962C8B-B14F-4D97-AF65-F5344CB8AC3E}">
-        <p14:creationId xmlns:p14="http://schemas.microsoft.com/office/powerpoint/2010/main" val="784094662"/>
+        <p14:creationId xmlns:p14="http://schemas.microsoft.com/office/powerpoint/2010/main" val="3625655034"/>
       </p:ext>
     </p:extLst>
   </p:cSld>
   <p:clrMapOvr>
     <a:masterClrMapping/>
   </p:clrMapOvr>
+  <p:timing>
+    <p:tnLst>
+      <p:par>
+        <p:cTn id="1" dur="indefinite" restart="never" nodeType="tmRoot"/>
+      </p:par>
+    </p:tnLst>
+  </p:timing>
 </p:sld>
 </file>
 
@@ -6713,7 +7230,7 @@
       </p:grpSpPr>
       <p:sp>
         <p:nvSpPr>
-          <p:cNvPr id="2" name="Заголовок 1"/>
+          <p:cNvPr id="2" name="Title 1"/>
           <p:cNvSpPr>
             <a:spLocks noGrp="1"/>
           </p:cNvSpPr>
@@ -6727,15 +7244,16 @@
           <a:lstStyle/>
           <a:p>
             <a:r>
-              <a:rPr lang="ru-RU" dirty="0"/>
+              <a:rPr lang="ru-RU" dirty="0" smtClean="0"/>
               <a:t>Функции</a:t>
             </a:r>
-          </a:p>
-        </p:txBody>
-      </p:sp>
-      <p:sp>
-        <p:nvSpPr>
-          <p:cNvPr id="3" name="Объект 2"/>
+            <a:endParaRPr lang="en-GB" dirty="0"/>
+          </a:p>
+        </p:txBody>
+      </p:sp>
+      <p:sp>
+        <p:nvSpPr>
+          <p:cNvPr id="3" name="Content Placeholder 2"/>
           <p:cNvSpPr>
             <a:spLocks noGrp="1"/>
           </p:cNvSpPr>
@@ -6749,97 +7267,53 @@
           <a:lstStyle/>
           <a:p>
             <a:r>
+              <a:rPr lang="en-GB" dirty="0" err="1" smtClean="0"/>
+              <a:t>fnFindDrinks</a:t>
+            </a:r>
+            <a:r>
               <a:rPr lang="et-EE" dirty="0" smtClean="0"/>
-              <a:t>fnAddCart – </a:t>
+              <a:t> - </a:t>
             </a:r>
             <a:r>
               <a:rPr lang="ru-RU" dirty="0" smtClean="0"/>
-              <a:t>функция добавления корзины.</a:t>
-            </a:r>
-          </a:p>
-          <a:p>
+              <a:t>Просмотр напитков</a:t>
+            </a:r>
+          </a:p>
+          <a:p>
+            <a:r>
+              <a:rPr lang="en-GB" dirty="0" err="1" smtClean="0"/>
+              <a:t>fnFindSnacks</a:t>
+            </a:r>
+            <a:r>
+              <a:rPr lang="et-EE" dirty="0" smtClean="0"/>
+              <a:t> - </a:t>
+            </a:r>
             <a:r>
               <a:rPr lang="ru-RU" dirty="0" smtClean="0"/>
-              <a:t>Принимает </a:t>
+              <a:t>Просмотр закусок</a:t>
+            </a:r>
+          </a:p>
+          <a:p>
+            <a:r>
+              <a:rPr lang="en-GB" dirty="0" err="1" smtClean="0"/>
+              <a:t>fnFindCategories</a:t>
             </a:r>
             <a:r>
               <a:rPr lang="et-EE" dirty="0" smtClean="0"/>
-              <a:t>id </a:t>
+              <a:t> - </a:t>
             </a:r>
             <a:r>
               <a:rPr lang="ru-RU" dirty="0" smtClean="0"/>
-              <a:t>чека, </a:t>
-            </a:r>
-            <a:r>
-              <a:rPr lang="et-EE" dirty="0" smtClean="0"/>
-              <a:t>id </a:t>
-            </a:r>
-            <a:r>
-              <a:rPr lang="ru-RU" dirty="0" smtClean="0"/>
-              <a:t>продуктов, единицы для каждого продукта.</a:t>
-            </a:r>
-          </a:p>
-          <a:p>
-            <a:endParaRPr lang="ru-RU" dirty="0"/>
-          </a:p>
-          <a:p>
-            <a:r>
-              <a:rPr lang="et-EE" dirty="0" smtClean="0"/>
-              <a:t>FnAddCategory – </a:t>
-            </a:r>
-            <a:r>
-              <a:rPr lang="ru-RU" dirty="0" smtClean="0"/>
-              <a:t>функция добавления категории.</a:t>
-            </a:r>
-          </a:p>
-          <a:p>
-            <a:r>
-              <a:rPr lang="ru-RU" dirty="0" smtClean="0"/>
-              <a:t>Принимает описание категории.</a:t>
-            </a:r>
-          </a:p>
-          <a:p>
-            <a:endParaRPr lang="ru-RU" dirty="0"/>
-          </a:p>
-          <a:p>
-            <a:r>
-              <a:rPr lang="et-EE" dirty="0" smtClean="0"/>
-              <a:t>fnAddEmployer – </a:t>
-            </a:r>
-            <a:r>
-              <a:rPr lang="ru-RU" dirty="0" smtClean="0"/>
-              <a:t>функция добавления работника.</a:t>
-            </a:r>
-          </a:p>
-          <a:p>
-            <a:r>
-              <a:rPr lang="ru-RU" dirty="0" smtClean="0"/>
-              <a:t>Принимает </a:t>
-            </a:r>
-            <a:r>
-              <a:rPr lang="et-EE" dirty="0" smtClean="0"/>
-              <a:t>id </a:t>
-            </a:r>
-            <a:r>
-              <a:rPr lang="ru-RU" dirty="0" smtClean="0"/>
-              <a:t>клиента, </a:t>
-            </a:r>
-            <a:r>
-              <a:rPr lang="et-EE" dirty="0" smtClean="0"/>
-              <a:t>id </a:t>
-            </a:r>
-            <a:r>
-              <a:rPr lang="ru-RU" dirty="0" smtClean="0"/>
-              <a:t>чека, имя, телефон, почту, зарплату.</a:t>
-            </a:r>
-            <a:endParaRPr lang="ru-RU" dirty="0"/>
+              <a:t>Просмотр категорий</a:t>
+            </a:r>
+            <a:endParaRPr lang="en-GB" dirty="0"/>
           </a:p>
         </p:txBody>
       </p:sp>
     </p:spTree>
     <p:extLst>
       <p:ext uri="{BB962C8B-B14F-4D97-AF65-F5344CB8AC3E}">
-        <p14:creationId xmlns:p14="http://schemas.microsoft.com/office/powerpoint/2010/main" val="1182459047"/>
+        <p14:creationId xmlns:p14="http://schemas.microsoft.com/office/powerpoint/2010/main" val="855435137"/>
       </p:ext>
     </p:extLst>
   </p:cSld>
@@ -6881,7 +7355,11 @@
           <a:bodyPr/>
           <a:lstStyle/>
           <a:p>
-            <a:endParaRPr lang="ru-RU"/>
+            <a:r>
+              <a:rPr lang="ru-RU" dirty="0" smtClean="0"/>
+              <a:t>Процедуры</a:t>
+            </a:r>
+            <a:endParaRPr lang="ru-RU" dirty="0"/>
           </a:p>
         </p:txBody>
       </p:sp>
@@ -6902,51 +7380,88 @@
           <a:p>
             <a:r>
               <a:rPr lang="et-EE" dirty="0" smtClean="0"/>
-              <a:t>fnAddDrinks – </a:t>
+              <a:t>fnAddClient – </a:t>
             </a:r>
             <a:r>
               <a:rPr lang="ru-RU" dirty="0" smtClean="0"/>
-              <a:t>функция добавления напитка.</a:t>
+              <a:t>функция для добавления клиента.</a:t>
             </a:r>
           </a:p>
           <a:p>
             <a:r>
               <a:rPr lang="ru-RU" dirty="0" smtClean="0"/>
-              <a:t>Принимает категорию напитка, название и цену.</a:t>
-            </a:r>
-          </a:p>
-          <a:p>
-            <a:endParaRPr lang="ru-RU" dirty="0"/>
+              <a:t>Принимает имя, почту, телефон и дату рождения.</a:t>
+            </a:r>
+          </a:p>
+          <a:p>
+            <a:r>
+              <a:rPr lang="ru-RU" dirty="0" smtClean="0"/>
+              <a:t>Статус ставится автоматически триггером.</a:t>
+            </a:r>
+          </a:p>
+          <a:p>
+            <a:endParaRPr lang="ru-RU" dirty="0" smtClean="0"/>
           </a:p>
           <a:p>
             <a:r>
               <a:rPr lang="et-EE" dirty="0" smtClean="0"/>
-              <a:t>FnAddSnacks – </a:t>
+              <a:t>fnAddBill - </a:t>
+            </a:r>
+            <a:r>
+              <a:rPr lang="ru-RU" dirty="0"/>
+              <a:t>функция для добавления </a:t>
             </a:r>
             <a:r>
               <a:rPr lang="ru-RU" dirty="0" smtClean="0"/>
-              <a:t>функция добавления закусок.</a:t>
+              <a:t>чека.</a:t>
             </a:r>
           </a:p>
           <a:p>
             <a:r>
               <a:rPr lang="ru-RU" dirty="0" smtClean="0"/>
-              <a:t>Принимает категорию закуски, название и цену.</a:t>
-            </a:r>
-            <a:endParaRPr lang="ru-RU" dirty="0"/>
+              <a:t>Принимает </a:t>
+            </a:r>
+            <a:r>
+              <a:rPr lang="et-EE" dirty="0" smtClean="0"/>
+              <a:t>id </a:t>
+            </a:r>
+            <a:r>
+              <a:rPr lang="ru-RU" dirty="0" smtClean="0"/>
+              <a:t>клиента, дату оплаты, тип оплаты.</a:t>
+            </a:r>
+          </a:p>
+          <a:p>
+            <a:r>
+              <a:rPr lang="ru-RU" dirty="0" smtClean="0"/>
+              <a:t>Статус </a:t>
+            </a:r>
+            <a:r>
+              <a:rPr lang="ru-RU" dirty="0"/>
+              <a:t>ставится автоматически триггером.</a:t>
+            </a:r>
+          </a:p>
+          <a:p>
+            <a:endParaRPr lang="ru-RU" dirty="0" smtClean="0"/>
           </a:p>
         </p:txBody>
       </p:sp>
     </p:spTree>
     <p:extLst>
       <p:ext uri="{BB962C8B-B14F-4D97-AF65-F5344CB8AC3E}">
-        <p14:creationId xmlns:p14="http://schemas.microsoft.com/office/powerpoint/2010/main" val="1864815663"/>
+        <p14:creationId xmlns:p14="http://schemas.microsoft.com/office/powerpoint/2010/main" val="784094662"/>
       </p:ext>
     </p:extLst>
   </p:cSld>
   <p:clrMapOvr>
     <a:masterClrMapping/>
   </p:clrMapOvr>
+  <p:timing>
+    <p:tnLst>
+      <p:par>
+        <p:cTn id="1" dur="indefinite" restart="never" nodeType="tmRoot"/>
+      </p:par>
+    </p:tnLst>
+  </p:timing>
 </p:sld>
 </file>
 
@@ -6984,7 +7499,7 @@
           <a:p>
             <a:r>
               <a:rPr lang="ru-RU" dirty="0" smtClean="0"/>
-              <a:t>Триггеры</a:t>
+              <a:t>Процедуры</a:t>
             </a:r>
             <a:endParaRPr lang="ru-RU" dirty="0"/>
           </a:p>
@@ -7006,46 +7521,88 @@
           <a:lstStyle/>
           <a:p>
             <a:r>
+              <a:rPr lang="et-EE" dirty="0" smtClean="0"/>
+              <a:t>fnAddCart – </a:t>
+            </a:r>
+            <a:r>
               <a:rPr lang="ru-RU" dirty="0" smtClean="0"/>
-              <a:t>При добавлении клиента, по его дате рождения высчитывается возраст. Если возраст клиента </a:t>
-            </a:r>
-            <a:r>
-              <a:rPr lang="en-US" smtClean="0"/>
-              <a:t>&gt;=18</a:t>
-            </a:r>
+              <a:t>функция добавления корзины.</a:t>
+            </a:r>
+          </a:p>
+          <a:p>
             <a:r>
               <a:rPr lang="ru-RU" dirty="0" smtClean="0"/>
-              <a:t>, ему присваивается статус 1</a:t>
-            </a:r>
-            <a:r>
-              <a:rPr lang="en-US" dirty="0" smtClean="0"/>
-              <a:t>;</a:t>
+              <a:t>Принимает </a:t>
+            </a:r>
+            <a:r>
+              <a:rPr lang="et-EE" dirty="0" smtClean="0"/>
+              <a:t>id </a:t>
             </a:r>
             <a:r>
               <a:rPr lang="ru-RU" dirty="0" smtClean="0"/>
-              <a:t> если клиента </a:t>
-            </a:r>
-            <a:r>
-              <a:rPr lang="en-US" dirty="0" smtClean="0"/>
-              <a:t>&lt;18</a:t>
-            </a:r>
-            <a:r>
-              <a:rPr lang="ru-RU" dirty="0"/>
-              <a:t> , ему присваивается статус </a:t>
-            </a:r>
-            <a:r>
-              <a:rPr lang="en-US" dirty="0" smtClean="0"/>
-              <a:t>0.</a:t>
-            </a:r>
-            <a:endParaRPr lang="ru-RU" smtClean="0"/>
+              <a:t>чека, </a:t>
+            </a:r>
+            <a:r>
+              <a:rPr lang="et-EE" dirty="0" smtClean="0"/>
+              <a:t>id </a:t>
+            </a:r>
+            <a:r>
+              <a:rPr lang="ru-RU" dirty="0" smtClean="0"/>
+              <a:t>продуктов, единицы для каждого продукта.</a:t>
+            </a:r>
           </a:p>
           <a:p>
             <a:endParaRPr lang="ru-RU" dirty="0"/>
           </a:p>
           <a:p>
             <a:r>
+              <a:rPr lang="et-EE" dirty="0" smtClean="0"/>
+              <a:t>FnAddCategory – </a:t>
+            </a:r>
+            <a:r>
               <a:rPr lang="ru-RU" dirty="0" smtClean="0"/>
-              <a:t>При оплате проверяется статус платежа. Если платеж успешно прошел, присваивается статус 1, если нет, то статус 0.</a:t>
+              <a:t>функция добавления категории.</a:t>
+            </a:r>
+          </a:p>
+          <a:p>
+            <a:r>
+              <a:rPr lang="ru-RU" dirty="0" smtClean="0"/>
+              <a:t>Принимает описание категории.</a:t>
+            </a:r>
+          </a:p>
+          <a:p>
+            <a:endParaRPr lang="ru-RU" dirty="0"/>
+          </a:p>
+          <a:p>
+            <a:r>
+              <a:rPr lang="et-EE" dirty="0" smtClean="0"/>
+              <a:t>fnAddEmployer – </a:t>
+            </a:r>
+            <a:r>
+              <a:rPr lang="ru-RU" dirty="0" smtClean="0"/>
+              <a:t>функция добавления работника.</a:t>
+            </a:r>
+          </a:p>
+          <a:p>
+            <a:r>
+              <a:rPr lang="ru-RU" dirty="0" smtClean="0"/>
+              <a:t>Принимает </a:t>
+            </a:r>
+            <a:r>
+              <a:rPr lang="et-EE" dirty="0" smtClean="0"/>
+              <a:t>id </a:t>
+            </a:r>
+            <a:r>
+              <a:rPr lang="ru-RU" dirty="0" smtClean="0"/>
+              <a:t>клиента, </a:t>
+            </a:r>
+            <a:r>
+              <a:rPr lang="et-EE" dirty="0" smtClean="0"/>
+              <a:t>id </a:t>
+            </a:r>
+            <a:r>
+              <a:rPr lang="ru-RU" dirty="0" smtClean="0"/>
+              <a:t>чека, имя, телефон, почту, зарплату.</a:t>
             </a:r>
             <a:endParaRPr lang="ru-RU" dirty="0"/>
           </a:p>
@@ -7054,13 +7611,20 @@
     </p:spTree>
     <p:extLst>
       <p:ext uri="{BB962C8B-B14F-4D97-AF65-F5344CB8AC3E}">
-        <p14:creationId xmlns:p14="http://schemas.microsoft.com/office/powerpoint/2010/main" val="167372693"/>
+        <p14:creationId xmlns:p14="http://schemas.microsoft.com/office/powerpoint/2010/main" val="1182459047"/>
       </p:ext>
     </p:extLst>
   </p:cSld>
   <p:clrMapOvr>
     <a:masterClrMapping/>
   </p:clrMapOvr>
+  <p:timing>
+    <p:tnLst>
+      <p:par>
+        <p:cTn id="1" dur="indefinite" restart="never" nodeType="tmRoot"/>
+      </p:par>
+    </p:tnLst>
+  </p:timing>
 </p:sld>
 </file>
 
@@ -7098,7 +7662,7 @@
           <a:p>
             <a:r>
               <a:rPr lang="ru-RU" dirty="0" smtClean="0"/>
-              <a:t>Пользователи</a:t>
+              <a:t>Процедуры</a:t>
             </a:r>
             <a:endParaRPr lang="ru-RU" dirty="0"/>
           </a:p>
@@ -7120,26 +7684,37 @@
           <a:lstStyle/>
           <a:p>
             <a:r>
+              <a:rPr lang="et-EE" dirty="0" smtClean="0"/>
+              <a:t>fnAddDrinks – </a:t>
+            </a:r>
+            <a:r>
               <a:rPr lang="ru-RU" dirty="0" smtClean="0"/>
-              <a:t>Администратор – может просматривать, добавлять или удалять любые данные.</a:t>
+              <a:t>функция добавления напитка.</a:t>
             </a:r>
           </a:p>
           <a:p>
             <a:r>
               <a:rPr lang="ru-RU" dirty="0" smtClean="0"/>
-              <a:t>Директор – может просматривать все данные. Может добавлять или удалять данные сотрудников.</a:t>
-            </a:r>
-          </a:p>
-          <a:p>
+              <a:t>Принимает категорию напитка, название и цену.</a:t>
+            </a:r>
+          </a:p>
+          <a:p>
+            <a:endParaRPr lang="ru-RU" dirty="0"/>
+          </a:p>
+          <a:p>
+            <a:r>
+              <a:rPr lang="et-EE" dirty="0" smtClean="0"/>
+              <a:t>FnAddSnacks – </a:t>
+            </a:r>
             <a:r>
               <a:rPr lang="ru-RU" dirty="0" smtClean="0"/>
-              <a:t>Сотрудник – может просматривать данные клиентов, а так же свои собственные.</a:t>
+              <a:t>функция добавления закусок.</a:t>
             </a:r>
           </a:p>
           <a:p>
             <a:r>
               <a:rPr lang="ru-RU" dirty="0" smtClean="0"/>
-              <a:t>Клиент – может просматривать только свои данные.</a:t>
+              <a:t>Принимает категорию закуски, название и цену.</a:t>
             </a:r>
             <a:endParaRPr lang="ru-RU" dirty="0"/>
           </a:p>
@@ -7148,13 +7723,20 @@
     </p:spTree>
     <p:extLst>
       <p:ext uri="{BB962C8B-B14F-4D97-AF65-F5344CB8AC3E}">
-        <p14:creationId xmlns:p14="http://schemas.microsoft.com/office/powerpoint/2010/main" val="370445118"/>
+        <p14:creationId xmlns:p14="http://schemas.microsoft.com/office/powerpoint/2010/main" val="1864815663"/>
       </p:ext>
     </p:extLst>
   </p:cSld>
   <p:clrMapOvr>
     <a:masterClrMapping/>
   </p:clrMapOvr>
+  <p:timing>
+    <p:tnLst>
+      <p:par>
+        <p:cTn id="1" dur="indefinite" restart="never" nodeType="tmRoot"/>
+      </p:par>
+    </p:tnLst>
+  </p:timing>
 </p:sld>
 </file>
 
@@ -7190,7 +7772,11 @@
           <a:bodyPr/>
           <a:lstStyle/>
           <a:p>
-            <a:endParaRPr lang="ru-RU"/>
+            <a:r>
+              <a:rPr lang="ru-RU" dirty="0" smtClean="0"/>
+              <a:t>Триггеры</a:t>
+            </a:r>
+            <a:endParaRPr lang="ru-RU" dirty="0"/>
           </a:p>
         </p:txBody>
       </p:sp>
@@ -7209,20 +7795,63 @@
           <a:bodyPr/>
           <a:lstStyle/>
           <a:p>
-            <a:endParaRPr lang="ru-RU"/>
+            <a:r>
+              <a:rPr lang="ru-RU" dirty="0" smtClean="0"/>
+              <a:t>При добавлении клиента, по его дате рождения высчитывается возраст. Если возраст клиента </a:t>
+            </a:r>
+            <a:r>
+              <a:rPr lang="en-US" dirty="0" smtClean="0"/>
+              <a:t>&gt;=18</a:t>
+            </a:r>
+            <a:r>
+              <a:rPr lang="ru-RU" dirty="0" smtClean="0"/>
+              <a:t>, ему присваивается статус 1</a:t>
+            </a:r>
+            <a:r>
+              <a:rPr lang="en-US" dirty="0" smtClean="0"/>
+              <a:t>;</a:t>
+            </a:r>
+            <a:r>
+              <a:rPr lang="ru-RU" dirty="0" smtClean="0"/>
+              <a:t> если клиента </a:t>
+            </a:r>
+            <a:r>
+              <a:rPr lang="en-US" dirty="0" smtClean="0"/>
+              <a:t>&lt;18</a:t>
+            </a:r>
+            <a:r>
+              <a:rPr lang="ru-RU" dirty="0"/>
+              <a:t> , ему присваивается статус </a:t>
+            </a:r>
+            <a:r>
+              <a:rPr lang="en-US" dirty="0" smtClean="0"/>
+              <a:t>0</a:t>
+            </a:r>
+            <a:r>
+              <a:rPr lang="en-US" dirty="0" smtClean="0"/>
+              <a:t>.</a:t>
+            </a:r>
+            <a:endParaRPr lang="ru-RU" dirty="0" smtClean="0"/>
           </a:p>
         </p:txBody>
       </p:sp>
     </p:spTree>
     <p:extLst>
       <p:ext uri="{BB962C8B-B14F-4D97-AF65-F5344CB8AC3E}">
-        <p14:creationId xmlns:p14="http://schemas.microsoft.com/office/powerpoint/2010/main" val="71061050"/>
+        <p14:creationId xmlns:p14="http://schemas.microsoft.com/office/powerpoint/2010/main" val="167372693"/>
       </p:ext>
     </p:extLst>
   </p:cSld>
   <p:clrMapOvr>
     <a:masterClrMapping/>
   </p:clrMapOvr>
+  <p:timing>
+    <p:tnLst>
+      <p:par>
+        <p:cTn id="1" dur="indefinite" restart="never" nodeType="tmRoot"/>
+      </p:par>
+    </p:tnLst>
+  </p:timing>
 </p:sld>
 </file>
 

--- a/Final boss.pptx
+++ b/Final boss.pptx
@@ -16,6 +16,7 @@
     <p:sldId id="260" r:id="rId10"/>
     <p:sldId id="261" r:id="rId11"/>
     <p:sldId id="262" r:id="rId12"/>
+    <p:sldId id="267" r:id="rId13"/>
   </p:sldIdLst>
   <p:sldSz cx="12192000" cy="6858000"/>
   <p:notesSz cx="6858000" cy="9144000"/>
@@ -5943,7 +5944,12 @@
             <p:ph type="ctrTitle"/>
           </p:nvPr>
         </p:nvSpPr>
-        <p:spPr/>
+        <p:spPr>
+          <a:xfrm>
+            <a:off x="1154955" y="1447801"/>
+            <a:ext cx="8825658" cy="2093422"/>
+          </a:xfrm>
+        </p:spPr>
         <p:txBody>
           <a:bodyPr/>
           <a:lstStyle/>
@@ -5987,17 +5993,17 @@
           <a:p>
             <a:r>
               <a:rPr lang="en-US" dirty="0" err="1" smtClean="0"/>
+              <a:t>Dmitrii</a:t>
+            </a:r>
+            <a:r>
+              <a:rPr lang="ru-RU" dirty="0" smtClean="0"/>
+              <a:t> </a:t>
+            </a:r>
+            <a:r>
+              <a:rPr lang="en-US" dirty="0" err="1" smtClean="0"/>
               <a:t>Kreivald</a:t>
             </a:r>
-            <a:r>
-              <a:rPr lang="en-US" dirty="0" smtClean="0"/>
-              <a:t> </a:t>
-            </a:r>
-            <a:r>
-              <a:rPr lang="en-US" dirty="0" err="1" smtClean="0"/>
-              <a:t>dmitrii</a:t>
-            </a:r>
-            <a:endParaRPr lang="en-US" dirty="0" smtClean="0"/>
+            <a:endParaRPr lang="ru-RU" dirty="0"/>
           </a:p>
           <a:p>
             <a:r>
@@ -6384,11 +6390,7 @@
             </a:r>
             <a:r>
               <a:rPr lang="ru-RU" dirty="0" smtClean="0"/>
-              <a:t>Администратор </a:t>
-            </a:r>
-            <a:r>
-              <a:rPr lang="ru-RU" dirty="0" smtClean="0"/>
-              <a:t>– может просматривать, добавлять или удалять любые данные.</a:t>
+              <a:t>Администратор – может просматривать, добавлять или удалять любые данные.</a:t>
             </a:r>
           </a:p>
           <a:p>
@@ -6398,11 +6400,7 @@
             </a:r>
             <a:r>
               <a:rPr lang="ru-RU" dirty="0" smtClean="0"/>
-              <a:t>Директор </a:t>
-            </a:r>
-            <a:r>
-              <a:rPr lang="ru-RU" dirty="0" smtClean="0"/>
-              <a:t>– может просматривать все данные. Может добавлять или удалять данные сотрудников.</a:t>
+              <a:t>Директор – может просматривать все данные. Может добавлять или удалять данные сотрудников.</a:t>
             </a:r>
           </a:p>
           <a:p>
@@ -6412,11 +6410,7 @@
             </a:r>
             <a:r>
               <a:rPr lang="ru-RU" dirty="0" smtClean="0"/>
-              <a:t>Сотрудник </a:t>
-            </a:r>
-            <a:r>
-              <a:rPr lang="ru-RU" dirty="0" smtClean="0"/>
-              <a:t>– может просматривать данные клиентов, а так же свои собственные.</a:t>
+              <a:t>Сотрудник – может просматривать данные клиентов, а так же свои собственные.</a:t>
             </a:r>
           </a:p>
           <a:p>
@@ -6426,15 +6420,7 @@
             </a:r>
             <a:r>
               <a:rPr lang="ru-RU" dirty="0" smtClean="0"/>
-              <a:t>Клиент </a:t>
-            </a:r>
-            <a:r>
-              <a:rPr lang="ru-RU" dirty="0" smtClean="0"/>
-              <a:t>– может просматривать только свои </a:t>
-            </a:r>
-            <a:r>
-              <a:rPr lang="ru-RU" dirty="0" smtClean="0"/>
-              <a:t>данные, чек, корзину.</a:t>
+              <a:t>Клиент – может просматривать только свои данные, чек, корзину.</a:t>
             </a:r>
             <a:endParaRPr lang="ru-RU" dirty="0"/>
           </a:p>
@@ -6565,6 +6551,83 @@
 </p:sld>
 </file>
 
+<file path=ppt/slides/slide12.xml><?xml version="1.0" encoding="utf-8"?>
+<p:sld xmlns:a="http://schemas.openxmlformats.org/drawingml/2006/main" xmlns:r="http://schemas.openxmlformats.org/officeDocument/2006/relationships" xmlns:p="http://schemas.openxmlformats.org/presentationml/2006/main">
+  <p:cSld>
+    <p:spTree>
+      <p:nvGrpSpPr>
+        <p:cNvPr id="1" name=""/>
+        <p:cNvGrpSpPr/>
+        <p:nvPr/>
+      </p:nvGrpSpPr>
+      <p:grpSpPr>
+        <a:xfrm>
+          <a:off x="0" y="0"/>
+          <a:ext cx="0" cy="0"/>
+          <a:chOff x="0" y="0"/>
+          <a:chExt cx="0" cy="0"/>
+        </a:xfrm>
+      </p:grpSpPr>
+      <p:sp>
+        <p:nvSpPr>
+          <p:cNvPr id="2" name="Title 1"/>
+          <p:cNvSpPr>
+            <a:spLocks noGrp="1"/>
+          </p:cNvSpPr>
+          <p:nvPr>
+            <p:ph type="title"/>
+          </p:nvPr>
+        </p:nvSpPr>
+        <p:spPr/>
+        <p:txBody>
+          <a:bodyPr/>
+          <a:lstStyle/>
+          <a:p>
+            <a:r>
+              <a:rPr lang="ru-RU" dirty="0" smtClean="0"/>
+              <a:t>Бэкапы</a:t>
+            </a:r>
+            <a:endParaRPr lang="en-GB" dirty="0"/>
+          </a:p>
+        </p:txBody>
+      </p:sp>
+      <p:pic>
+        <p:nvPicPr>
+          <p:cNvPr id="4" name="Picture 3"/>
+          <p:cNvPicPr>
+            <a:picLocks noChangeAspect="1"/>
+          </p:cNvPicPr>
+          <p:nvPr/>
+        </p:nvPicPr>
+        <p:blipFill>
+          <a:blip r:embed="rId2"/>
+          <a:stretch>
+            <a:fillRect/>
+          </a:stretch>
+        </p:blipFill>
+        <p:spPr>
+          <a:xfrm>
+            <a:off x="1103312" y="2052918"/>
+            <a:ext cx="9960928" cy="3505480"/>
+          </a:xfrm>
+          <a:prstGeom prst="rect">
+            <a:avLst/>
+          </a:prstGeom>
+        </p:spPr>
+      </p:pic>
+    </p:spTree>
+    <p:extLst>
+      <p:ext uri="{BB962C8B-B14F-4D97-AF65-F5344CB8AC3E}">
+        <p14:creationId xmlns:p14="http://schemas.microsoft.com/office/powerpoint/2010/main" val="1254627421"/>
+      </p:ext>
+    </p:extLst>
+  </p:cSld>
+  <p:clrMapOvr>
+    <a:masterClrMapping/>
+  </p:clrMapOvr>
+</p:sld>
+</file>
+
 <file path=ppt/slides/slide2.xml><?xml version="1.0" encoding="utf-8"?>
 <p:sld xmlns:a="http://schemas.openxmlformats.org/drawingml/2006/main" xmlns:r="http://schemas.openxmlformats.org/officeDocument/2006/relationships" xmlns:p="http://schemas.openxmlformats.org/presentationml/2006/main">
   <p:cSld>
@@ -6639,6 +6702,13 @@
           </a:p>
           <a:p>
             <a:r>
+              <a:rPr lang="ru-RU" dirty="0"/>
+              <a:t>Процедуры </a:t>
+            </a:r>
+            <a:endParaRPr lang="ru-RU" dirty="0" smtClean="0"/>
+          </a:p>
+          <a:p>
+            <a:r>
               <a:rPr lang="ru-RU" dirty="0" smtClean="0"/>
               <a:t>Триггеры </a:t>
             </a:r>
@@ -6652,9 +6722,15 @@
           <a:p>
             <a:r>
               <a:rPr lang="ru-RU" dirty="0" smtClean="0"/>
-              <a:t>Роли </a:t>
-            </a:r>
-            <a:endParaRPr lang="en-GB" dirty="0"/>
+              <a:t>Роли</a:t>
+            </a:r>
+          </a:p>
+          <a:p>
+            <a:r>
+              <a:rPr lang="ru-RU" dirty="0" smtClean="0"/>
+              <a:t>Бэкапы </a:t>
+            </a:r>
+            <a:endParaRPr lang="ru-RU" dirty="0" smtClean="0"/>
           </a:p>
         </p:txBody>
       </p:sp>
@@ -6668,7 +6744,7 @@
         </p:nvSpPr>
         <p:spPr>
           <a:xfrm>
-            <a:off x="4638502" y="2052918"/>
+            <a:off x="4630189" y="2052918"/>
             <a:ext cx="556952" cy="332835"/>
           </a:xfrm>
           <a:prstGeom prst="actionButtonForwardNext">
@@ -6710,7 +6786,7 @@
         </p:nvSpPr>
         <p:spPr>
           <a:xfrm>
-            <a:off x="4638502" y="2510443"/>
+            <a:off x="4621876" y="2510443"/>
             <a:ext cx="565265" cy="340822"/>
           </a:xfrm>
           <a:prstGeom prst="actionButtonForwardNext">
@@ -6752,7 +6828,7 @@
         </p:nvSpPr>
         <p:spPr>
           <a:xfrm>
-            <a:off x="4638502" y="2975955"/>
+            <a:off x="4613563" y="3363188"/>
             <a:ext cx="565265" cy="324196"/>
           </a:xfrm>
           <a:prstGeom prst="actionButtonForwardNext">
@@ -6794,7 +6870,7 @@
         </p:nvSpPr>
         <p:spPr>
           <a:xfrm>
-            <a:off x="4638502" y="3424841"/>
+            <a:off x="4621876" y="3828700"/>
             <a:ext cx="565265" cy="324196"/>
           </a:xfrm>
           <a:prstGeom prst="actionButtonForwardNext">
@@ -6836,7 +6912,7 @@
         </p:nvSpPr>
         <p:spPr>
           <a:xfrm>
-            <a:off x="4638502" y="3873727"/>
+            <a:off x="4621876" y="4277586"/>
             <a:ext cx="565265" cy="324196"/>
           </a:xfrm>
           <a:prstGeom prst="actionButtonForwardNext">
@@ -6878,7 +6954,91 @@
         </p:nvSpPr>
         <p:spPr>
           <a:xfrm>
-            <a:off x="4638502" y="4330931"/>
+            <a:off x="4621876" y="4734790"/>
+            <a:ext cx="556952" cy="349134"/>
+          </a:xfrm>
+          <a:prstGeom prst="actionButtonForwardNext">
+            <a:avLst/>
+          </a:prstGeom>
+        </p:spPr>
+        <p:style>
+          <a:lnRef idx="2">
+            <a:schemeClr val="accent1">
+              <a:shade val="50000"/>
+            </a:schemeClr>
+          </a:lnRef>
+          <a:fillRef idx="1">
+            <a:schemeClr val="accent1"/>
+          </a:fillRef>
+          <a:effectRef idx="0">
+            <a:schemeClr val="accent1"/>
+          </a:effectRef>
+          <a:fontRef idx="minor">
+            <a:schemeClr val="lt1"/>
+          </a:fontRef>
+        </p:style>
+        <p:txBody>
+          <a:bodyPr rtlCol="0" anchor="ctr"/>
+          <a:lstStyle/>
+          <a:p>
+            <a:pPr algn="ctr"/>
+            <a:endParaRPr lang="en-GB"/>
+          </a:p>
+        </p:txBody>
+      </p:sp>
+      <p:sp>
+        <p:nvSpPr>
+          <p:cNvPr id="10" name="Action Button: Forward or Next 9">
+            <a:hlinkClick r:id="rId8" action="ppaction://hlinksldjump" highlightClick="1"/>
+          </p:cNvPr>
+          <p:cNvSpPr/>
+          <p:nvPr/>
+        </p:nvSpPr>
+        <p:spPr>
+          <a:xfrm>
+            <a:off x="4621876" y="2934739"/>
+            <a:ext cx="565265" cy="332509"/>
+          </a:xfrm>
+          <a:prstGeom prst="actionButtonForwardNext">
+            <a:avLst/>
+          </a:prstGeom>
+        </p:spPr>
+        <p:style>
+          <a:lnRef idx="2">
+            <a:schemeClr val="accent1">
+              <a:shade val="50000"/>
+            </a:schemeClr>
+          </a:lnRef>
+          <a:fillRef idx="1">
+            <a:schemeClr val="accent1"/>
+          </a:fillRef>
+          <a:effectRef idx="0">
+            <a:schemeClr val="accent1"/>
+          </a:effectRef>
+          <a:fontRef idx="minor">
+            <a:schemeClr val="lt1"/>
+          </a:fontRef>
+        </p:style>
+        <p:txBody>
+          <a:bodyPr rtlCol="0" anchor="ctr"/>
+          <a:lstStyle/>
+          <a:p>
+            <a:pPr algn="ctr"/>
+            <a:endParaRPr lang="en-GB"/>
+          </a:p>
+        </p:txBody>
+      </p:sp>
+      <p:sp>
+        <p:nvSpPr>
+          <p:cNvPr id="12" name="Action Button: Forward or Next 11">
+            <a:hlinkClick r:id="rId9" action="ppaction://hlinksldjump" highlightClick="1"/>
+          </p:cNvPr>
+          <p:cNvSpPr/>
+          <p:nvPr/>
+        </p:nvSpPr>
+        <p:spPr>
+          <a:xfrm>
+            <a:off x="4613563" y="5180559"/>
             <a:ext cx="556952" cy="349134"/>
           </a:xfrm>
           <a:prstGeom prst="actionButtonForwardNext">
@@ -7081,19 +7241,7 @@
           <a:p>
             <a:r>
               <a:rPr lang="et-EE" dirty="0" smtClean="0"/>
-              <a:t>tS</a:t>
-            </a:r>
-            <a:r>
-              <a:rPr lang="et-EE" dirty="0" smtClean="0"/>
-              <a:t>nac</a:t>
-            </a:r>
-            <a:r>
-              <a:rPr lang="et-EE" dirty="0" smtClean="0"/>
-              <a:t>ks </a:t>
-            </a:r>
-            <a:r>
-              <a:rPr lang="et-EE" dirty="0" smtClean="0"/>
-              <a:t>- </a:t>
+              <a:t>tSnacks - </a:t>
             </a:r>
             <a:r>
               <a:rPr lang="ru-RU" dirty="0" smtClean="0"/>
@@ -7320,6 +7468,13 @@
   <p:clrMapOvr>
     <a:masterClrMapping/>
   </p:clrMapOvr>
+  <p:timing>
+    <p:tnLst>
+      <p:par>
+        <p:cTn id="1" dur="indefinite" restart="never" nodeType="tmRoot"/>
+      </p:par>
+    </p:tnLst>
+  </p:timing>
 </p:sld>
 </file>
 
@@ -7825,11 +7980,7 @@
             </a:r>
             <a:r>
               <a:rPr lang="en-US" dirty="0" smtClean="0"/>
-              <a:t>0</a:t>
-            </a:r>
-            <a:r>
-              <a:rPr lang="en-US" dirty="0" smtClean="0"/>
-              <a:t>.</a:t>
+              <a:t>0.</a:t>
             </a:r>
             <a:endParaRPr lang="ru-RU" dirty="0" smtClean="0"/>
           </a:p>
